--- a/ppt 16-9/0176.来庆贺圣诞.pptx
+++ b/ppt 16-9/0176.来庆贺圣诞.pptx
@@ -129,7 +129,7 @@
           <p:cNvPr id="2" name="标题 1">
             <a:extLst>
               <a:ext uri="{FF2B5EF4-FFF2-40B4-BE49-F238E27FC236}">
-                <a16:creationId xmlns:a16="http://schemas.microsoft.com/office/drawing/2014/main" id="{55869681-890D-FC02-9088-EEDAF9FDD5A0}"/>
+                <a16:creationId xmlns:a16="http://schemas.microsoft.com/office/drawing/2014/main" id="{C3A1EDC6-DF5C-6FDB-54D8-22786B7D5EFF}"/>
               </a:ext>
             </a:extLst>
           </p:cNvPr>
@@ -166,7 +166,7 @@
           <p:cNvPr id="3" name="副标题 2">
             <a:extLst>
               <a:ext uri="{FF2B5EF4-FFF2-40B4-BE49-F238E27FC236}">
-                <a16:creationId xmlns:a16="http://schemas.microsoft.com/office/drawing/2014/main" id="{507BD6AC-27DE-8509-FEAF-F60FCB7A07FF}"/>
+                <a16:creationId xmlns:a16="http://schemas.microsoft.com/office/drawing/2014/main" id="{0E7FF736-78E7-C6AD-9718-4A00BFDA2B40}"/>
               </a:ext>
             </a:extLst>
           </p:cNvPr>
@@ -236,7 +236,7 @@
           <p:cNvPr id="4" name="日期占位符 3">
             <a:extLst>
               <a:ext uri="{FF2B5EF4-FFF2-40B4-BE49-F238E27FC236}">
-                <a16:creationId xmlns:a16="http://schemas.microsoft.com/office/drawing/2014/main" id="{BF929DF4-ECD9-D1F3-C6A0-9BAA676BD64B}"/>
+                <a16:creationId xmlns:a16="http://schemas.microsoft.com/office/drawing/2014/main" id="{25D694F6-64C6-1EF0-E9BB-C56D75E315F3}"/>
               </a:ext>
             </a:extLst>
           </p:cNvPr>
@@ -252,7 +252,7 @@
           <a:bodyPr/>
           <a:lstStyle/>
           <a:p>
-            <a:fld id="{FA622576-5A81-4E2F-AFA8-45F808F01C8D}" type="datetimeFigureOut">
+            <a:fld id="{F641708B-4AF1-46ED-ABD3-40571DE1EF88}" type="datetimeFigureOut">
               <a:rPr lang="zh-CN" altLang="en-US" smtClean="0"/>
               <a:t>2024/3/10</a:t>
             </a:fld>
@@ -265,7 +265,7 @@
           <p:cNvPr id="5" name="页脚占位符 4">
             <a:extLst>
               <a:ext uri="{FF2B5EF4-FFF2-40B4-BE49-F238E27FC236}">
-                <a16:creationId xmlns:a16="http://schemas.microsoft.com/office/drawing/2014/main" id="{7A3990B6-86AF-BCB5-DE55-ACE3C601B0FD}"/>
+                <a16:creationId xmlns:a16="http://schemas.microsoft.com/office/drawing/2014/main" id="{C4CDFC5B-CCF5-CD38-6A51-74E0A168B361}"/>
               </a:ext>
             </a:extLst>
           </p:cNvPr>
@@ -290,7 +290,7 @@
           <p:cNvPr id="6" name="灯片编号占位符 5">
             <a:extLst>
               <a:ext uri="{FF2B5EF4-FFF2-40B4-BE49-F238E27FC236}">
-                <a16:creationId xmlns:a16="http://schemas.microsoft.com/office/drawing/2014/main" id="{6D6544AE-D792-0FDE-7E08-6F664A06C501}"/>
+                <a16:creationId xmlns:a16="http://schemas.microsoft.com/office/drawing/2014/main" id="{EA3EB78E-40B9-2624-BFCA-ECBE307161B5}"/>
               </a:ext>
             </a:extLst>
           </p:cNvPr>
@@ -306,7 +306,7 @@
           <a:bodyPr/>
           <a:lstStyle/>
           <a:p>
-            <a:fld id="{147F2575-8779-4942-9A87-9BBC8F8098D9}" type="slidenum">
+            <a:fld id="{CC9A8AE1-7898-4B78-85FC-F7F4A507AAF0}" type="slidenum">
               <a:rPr lang="zh-CN" altLang="en-US" smtClean="0"/>
               <a:t>‹#›</a:t>
             </a:fld>
@@ -317,7 +317,7 @@
     </p:spTree>
     <p:extLst>
       <p:ext uri="{BB962C8B-B14F-4D97-AF65-F5344CB8AC3E}">
-        <p14:creationId xmlns:p14="http://schemas.microsoft.com/office/powerpoint/2010/main" val="4190901592"/>
+        <p14:creationId xmlns:p14="http://schemas.microsoft.com/office/powerpoint/2010/main" val="287843362"/>
       </p:ext>
     </p:extLst>
   </p:cSld>
@@ -349,7 +349,7 @@
           <p:cNvPr id="2" name="标题 1">
             <a:extLst>
               <a:ext uri="{FF2B5EF4-FFF2-40B4-BE49-F238E27FC236}">
-                <a16:creationId xmlns:a16="http://schemas.microsoft.com/office/drawing/2014/main" id="{FECB7010-C1B8-5A70-A99A-116A2AA7C300}"/>
+                <a16:creationId xmlns:a16="http://schemas.microsoft.com/office/drawing/2014/main" id="{2A01AD6D-098B-1CCA-3020-B9BDD8F7AB5F}"/>
               </a:ext>
             </a:extLst>
           </p:cNvPr>
@@ -377,7 +377,7 @@
           <p:cNvPr id="3" name="竖排文字占位符 2">
             <a:extLst>
               <a:ext uri="{FF2B5EF4-FFF2-40B4-BE49-F238E27FC236}">
-                <a16:creationId xmlns:a16="http://schemas.microsoft.com/office/drawing/2014/main" id="{D7067A75-5EEB-F380-B1ED-6DFCCD34AC89}"/>
+                <a16:creationId xmlns:a16="http://schemas.microsoft.com/office/drawing/2014/main" id="{2692E07F-8FE9-DF2E-2677-E651C6C9637C}"/>
               </a:ext>
             </a:extLst>
           </p:cNvPr>
@@ -434,7 +434,7 @@
           <p:cNvPr id="4" name="日期占位符 3">
             <a:extLst>
               <a:ext uri="{FF2B5EF4-FFF2-40B4-BE49-F238E27FC236}">
-                <a16:creationId xmlns:a16="http://schemas.microsoft.com/office/drawing/2014/main" id="{D0C15DAA-A4DF-192C-13C2-72B34D5A9FE2}"/>
+                <a16:creationId xmlns:a16="http://schemas.microsoft.com/office/drawing/2014/main" id="{AC5BAF77-728E-D7A1-FD53-FD680BBD1662}"/>
               </a:ext>
             </a:extLst>
           </p:cNvPr>
@@ -450,7 +450,7 @@
           <a:bodyPr/>
           <a:lstStyle/>
           <a:p>
-            <a:fld id="{FA622576-5A81-4E2F-AFA8-45F808F01C8D}" type="datetimeFigureOut">
+            <a:fld id="{F641708B-4AF1-46ED-ABD3-40571DE1EF88}" type="datetimeFigureOut">
               <a:rPr lang="zh-CN" altLang="en-US" smtClean="0"/>
               <a:t>2024/3/10</a:t>
             </a:fld>
@@ -463,7 +463,7 @@
           <p:cNvPr id="5" name="页脚占位符 4">
             <a:extLst>
               <a:ext uri="{FF2B5EF4-FFF2-40B4-BE49-F238E27FC236}">
-                <a16:creationId xmlns:a16="http://schemas.microsoft.com/office/drawing/2014/main" id="{341E0B6D-D97C-9A65-9E8E-4EEC33DC344C}"/>
+                <a16:creationId xmlns:a16="http://schemas.microsoft.com/office/drawing/2014/main" id="{F8909411-7254-CEE0-F4CE-A29254B04232}"/>
               </a:ext>
             </a:extLst>
           </p:cNvPr>
@@ -488,7 +488,7 @@
           <p:cNvPr id="6" name="灯片编号占位符 5">
             <a:extLst>
               <a:ext uri="{FF2B5EF4-FFF2-40B4-BE49-F238E27FC236}">
-                <a16:creationId xmlns:a16="http://schemas.microsoft.com/office/drawing/2014/main" id="{4DE591E4-86E8-3DEA-13FD-C04BCF8F279A}"/>
+                <a16:creationId xmlns:a16="http://schemas.microsoft.com/office/drawing/2014/main" id="{FAB6E168-6A41-68CA-15CA-F0962CF9AC97}"/>
               </a:ext>
             </a:extLst>
           </p:cNvPr>
@@ -504,7 +504,7 @@
           <a:bodyPr/>
           <a:lstStyle/>
           <a:p>
-            <a:fld id="{147F2575-8779-4942-9A87-9BBC8F8098D9}" type="slidenum">
+            <a:fld id="{CC9A8AE1-7898-4B78-85FC-F7F4A507AAF0}" type="slidenum">
               <a:rPr lang="zh-CN" altLang="en-US" smtClean="0"/>
               <a:t>‹#›</a:t>
             </a:fld>
@@ -515,7 +515,7 @@
     </p:spTree>
     <p:extLst>
       <p:ext uri="{BB962C8B-B14F-4D97-AF65-F5344CB8AC3E}">
-        <p14:creationId xmlns:p14="http://schemas.microsoft.com/office/powerpoint/2010/main" val="1746271372"/>
+        <p14:creationId xmlns:p14="http://schemas.microsoft.com/office/powerpoint/2010/main" val="1059146275"/>
       </p:ext>
     </p:extLst>
   </p:cSld>
@@ -547,7 +547,7 @@
           <p:cNvPr id="2" name="竖排标题 1">
             <a:extLst>
               <a:ext uri="{FF2B5EF4-FFF2-40B4-BE49-F238E27FC236}">
-                <a16:creationId xmlns:a16="http://schemas.microsoft.com/office/drawing/2014/main" id="{E479D009-8585-6800-FE5D-5568FD4DFB12}"/>
+                <a16:creationId xmlns:a16="http://schemas.microsoft.com/office/drawing/2014/main" id="{DA4ABF3A-21F2-CE89-62EC-BB3E6507BA80}"/>
               </a:ext>
             </a:extLst>
           </p:cNvPr>
@@ -580,7 +580,7 @@
           <p:cNvPr id="3" name="竖排文字占位符 2">
             <a:extLst>
               <a:ext uri="{FF2B5EF4-FFF2-40B4-BE49-F238E27FC236}">
-                <a16:creationId xmlns:a16="http://schemas.microsoft.com/office/drawing/2014/main" id="{EB0EB905-0898-BB35-0453-F7DC7252B16E}"/>
+                <a16:creationId xmlns:a16="http://schemas.microsoft.com/office/drawing/2014/main" id="{200C3D5A-DD38-5404-DAAE-A25F451A1248}"/>
               </a:ext>
             </a:extLst>
           </p:cNvPr>
@@ -642,7 +642,7 @@
           <p:cNvPr id="4" name="日期占位符 3">
             <a:extLst>
               <a:ext uri="{FF2B5EF4-FFF2-40B4-BE49-F238E27FC236}">
-                <a16:creationId xmlns:a16="http://schemas.microsoft.com/office/drawing/2014/main" id="{9864BF7C-3C03-329A-B207-982EFC44994C}"/>
+                <a16:creationId xmlns:a16="http://schemas.microsoft.com/office/drawing/2014/main" id="{A462E276-7EB1-75DF-C829-0D7D71A0C2B9}"/>
               </a:ext>
             </a:extLst>
           </p:cNvPr>
@@ -658,7 +658,7 @@
           <a:bodyPr/>
           <a:lstStyle/>
           <a:p>
-            <a:fld id="{FA622576-5A81-4E2F-AFA8-45F808F01C8D}" type="datetimeFigureOut">
+            <a:fld id="{F641708B-4AF1-46ED-ABD3-40571DE1EF88}" type="datetimeFigureOut">
               <a:rPr lang="zh-CN" altLang="en-US" smtClean="0"/>
               <a:t>2024/3/10</a:t>
             </a:fld>
@@ -671,7 +671,7 @@
           <p:cNvPr id="5" name="页脚占位符 4">
             <a:extLst>
               <a:ext uri="{FF2B5EF4-FFF2-40B4-BE49-F238E27FC236}">
-                <a16:creationId xmlns:a16="http://schemas.microsoft.com/office/drawing/2014/main" id="{512B0B80-7D46-EE82-0DE3-AC5631ADBD6F}"/>
+                <a16:creationId xmlns:a16="http://schemas.microsoft.com/office/drawing/2014/main" id="{36C96A1D-9569-6442-2DAC-937C173EEDDB}"/>
               </a:ext>
             </a:extLst>
           </p:cNvPr>
@@ -696,7 +696,7 @@
           <p:cNvPr id="6" name="灯片编号占位符 5">
             <a:extLst>
               <a:ext uri="{FF2B5EF4-FFF2-40B4-BE49-F238E27FC236}">
-                <a16:creationId xmlns:a16="http://schemas.microsoft.com/office/drawing/2014/main" id="{F6287E81-D3FF-0E9C-30C8-925338EC01E9}"/>
+                <a16:creationId xmlns:a16="http://schemas.microsoft.com/office/drawing/2014/main" id="{6E7CDE84-398C-5EE0-0EC0-D22C7C7823E5}"/>
               </a:ext>
             </a:extLst>
           </p:cNvPr>
@@ -712,7 +712,7 @@
           <a:bodyPr/>
           <a:lstStyle/>
           <a:p>
-            <a:fld id="{147F2575-8779-4942-9A87-9BBC8F8098D9}" type="slidenum">
+            <a:fld id="{CC9A8AE1-7898-4B78-85FC-F7F4A507AAF0}" type="slidenum">
               <a:rPr lang="zh-CN" altLang="en-US" smtClean="0"/>
               <a:t>‹#›</a:t>
             </a:fld>
@@ -723,7 +723,7 @@
     </p:spTree>
     <p:extLst>
       <p:ext uri="{BB962C8B-B14F-4D97-AF65-F5344CB8AC3E}">
-        <p14:creationId xmlns:p14="http://schemas.microsoft.com/office/powerpoint/2010/main" val="411046887"/>
+        <p14:creationId xmlns:p14="http://schemas.microsoft.com/office/powerpoint/2010/main" val="3527483714"/>
       </p:ext>
     </p:extLst>
   </p:cSld>
@@ -755,7 +755,7 @@
           <p:cNvPr id="2" name="标题 1">
             <a:extLst>
               <a:ext uri="{FF2B5EF4-FFF2-40B4-BE49-F238E27FC236}">
-                <a16:creationId xmlns:a16="http://schemas.microsoft.com/office/drawing/2014/main" id="{7B967718-C9C8-3EDE-A62E-DC02F3F27301}"/>
+                <a16:creationId xmlns:a16="http://schemas.microsoft.com/office/drawing/2014/main" id="{92F4E6DE-442C-E1BE-4496-2CE59A69E41D}"/>
               </a:ext>
             </a:extLst>
           </p:cNvPr>
@@ -783,7 +783,7 @@
           <p:cNvPr id="3" name="内容占位符 2">
             <a:extLst>
               <a:ext uri="{FF2B5EF4-FFF2-40B4-BE49-F238E27FC236}">
-                <a16:creationId xmlns:a16="http://schemas.microsoft.com/office/drawing/2014/main" id="{21A42C01-9683-06C1-EF9F-F9F28816EB3C}"/>
+                <a16:creationId xmlns:a16="http://schemas.microsoft.com/office/drawing/2014/main" id="{2124F30A-18E1-D696-F57B-33943B25B7E8}"/>
               </a:ext>
             </a:extLst>
           </p:cNvPr>
@@ -840,7 +840,7 @@
           <p:cNvPr id="4" name="日期占位符 3">
             <a:extLst>
               <a:ext uri="{FF2B5EF4-FFF2-40B4-BE49-F238E27FC236}">
-                <a16:creationId xmlns:a16="http://schemas.microsoft.com/office/drawing/2014/main" id="{55AD280D-81A1-1D9E-E533-53D7B61E472F}"/>
+                <a16:creationId xmlns:a16="http://schemas.microsoft.com/office/drawing/2014/main" id="{6758F96B-4624-071A-D42C-7E3E3451CAEE}"/>
               </a:ext>
             </a:extLst>
           </p:cNvPr>
@@ -856,7 +856,7 @@
           <a:bodyPr/>
           <a:lstStyle/>
           <a:p>
-            <a:fld id="{FA622576-5A81-4E2F-AFA8-45F808F01C8D}" type="datetimeFigureOut">
+            <a:fld id="{F641708B-4AF1-46ED-ABD3-40571DE1EF88}" type="datetimeFigureOut">
               <a:rPr lang="zh-CN" altLang="en-US" smtClean="0"/>
               <a:t>2024/3/10</a:t>
             </a:fld>
@@ -869,7 +869,7 @@
           <p:cNvPr id="5" name="页脚占位符 4">
             <a:extLst>
               <a:ext uri="{FF2B5EF4-FFF2-40B4-BE49-F238E27FC236}">
-                <a16:creationId xmlns:a16="http://schemas.microsoft.com/office/drawing/2014/main" id="{87B40406-CA62-023D-A882-ABC50FE2DE45}"/>
+                <a16:creationId xmlns:a16="http://schemas.microsoft.com/office/drawing/2014/main" id="{9E16D952-0271-8D4E-6952-95513999FFB4}"/>
               </a:ext>
             </a:extLst>
           </p:cNvPr>
@@ -894,7 +894,7 @@
           <p:cNvPr id="6" name="灯片编号占位符 5">
             <a:extLst>
               <a:ext uri="{FF2B5EF4-FFF2-40B4-BE49-F238E27FC236}">
-                <a16:creationId xmlns:a16="http://schemas.microsoft.com/office/drawing/2014/main" id="{A5087EC5-4E18-ADF3-413C-7C3D4C736CDA}"/>
+                <a16:creationId xmlns:a16="http://schemas.microsoft.com/office/drawing/2014/main" id="{DC847213-4F85-4A08-79C7-14E4D8C1D7B7}"/>
               </a:ext>
             </a:extLst>
           </p:cNvPr>
@@ -910,7 +910,7 @@
           <a:bodyPr/>
           <a:lstStyle/>
           <a:p>
-            <a:fld id="{147F2575-8779-4942-9A87-9BBC8F8098D9}" type="slidenum">
+            <a:fld id="{CC9A8AE1-7898-4B78-85FC-F7F4A507AAF0}" type="slidenum">
               <a:rPr lang="zh-CN" altLang="en-US" smtClean="0"/>
               <a:t>‹#›</a:t>
             </a:fld>
@@ -921,7 +921,7 @@
     </p:spTree>
     <p:extLst>
       <p:ext uri="{BB962C8B-B14F-4D97-AF65-F5344CB8AC3E}">
-        <p14:creationId xmlns:p14="http://schemas.microsoft.com/office/powerpoint/2010/main" val="4046619492"/>
+        <p14:creationId xmlns:p14="http://schemas.microsoft.com/office/powerpoint/2010/main" val="3968372325"/>
       </p:ext>
     </p:extLst>
   </p:cSld>
@@ -953,7 +953,7 @@
           <p:cNvPr id="2" name="标题 1">
             <a:extLst>
               <a:ext uri="{FF2B5EF4-FFF2-40B4-BE49-F238E27FC236}">
-                <a16:creationId xmlns:a16="http://schemas.microsoft.com/office/drawing/2014/main" id="{05BA3D6F-1873-2638-46F5-1090265EB836}"/>
+                <a16:creationId xmlns:a16="http://schemas.microsoft.com/office/drawing/2014/main" id="{4B97AE25-48B6-5538-0675-D4C0049FEE1B}"/>
               </a:ext>
             </a:extLst>
           </p:cNvPr>
@@ -990,7 +990,7 @@
           <p:cNvPr id="3" name="文本占位符 2">
             <a:extLst>
               <a:ext uri="{FF2B5EF4-FFF2-40B4-BE49-F238E27FC236}">
-                <a16:creationId xmlns:a16="http://schemas.microsoft.com/office/drawing/2014/main" id="{5C9F55DE-F8CB-399A-69A3-FCC8C3A973AC}"/>
+                <a16:creationId xmlns:a16="http://schemas.microsoft.com/office/drawing/2014/main" id="{43CC3A35-0667-0B7E-1EDB-103C114810AD}"/>
               </a:ext>
             </a:extLst>
           </p:cNvPr>
@@ -1115,7 +1115,7 @@
           <p:cNvPr id="4" name="日期占位符 3">
             <a:extLst>
               <a:ext uri="{FF2B5EF4-FFF2-40B4-BE49-F238E27FC236}">
-                <a16:creationId xmlns:a16="http://schemas.microsoft.com/office/drawing/2014/main" id="{16BA171F-C6A8-A777-A80C-C9BB8B47E81D}"/>
+                <a16:creationId xmlns:a16="http://schemas.microsoft.com/office/drawing/2014/main" id="{498FD9AB-9D9B-137B-6D08-E0C402F26685}"/>
               </a:ext>
             </a:extLst>
           </p:cNvPr>
@@ -1131,7 +1131,7 @@
           <a:bodyPr/>
           <a:lstStyle/>
           <a:p>
-            <a:fld id="{FA622576-5A81-4E2F-AFA8-45F808F01C8D}" type="datetimeFigureOut">
+            <a:fld id="{F641708B-4AF1-46ED-ABD3-40571DE1EF88}" type="datetimeFigureOut">
               <a:rPr lang="zh-CN" altLang="en-US" smtClean="0"/>
               <a:t>2024/3/10</a:t>
             </a:fld>
@@ -1144,7 +1144,7 @@
           <p:cNvPr id="5" name="页脚占位符 4">
             <a:extLst>
               <a:ext uri="{FF2B5EF4-FFF2-40B4-BE49-F238E27FC236}">
-                <a16:creationId xmlns:a16="http://schemas.microsoft.com/office/drawing/2014/main" id="{932B8640-A207-8D25-2778-B40AE9DD1663}"/>
+                <a16:creationId xmlns:a16="http://schemas.microsoft.com/office/drawing/2014/main" id="{82380D69-4386-2EC3-839D-47D0D2237250}"/>
               </a:ext>
             </a:extLst>
           </p:cNvPr>
@@ -1169,7 +1169,7 @@
           <p:cNvPr id="6" name="灯片编号占位符 5">
             <a:extLst>
               <a:ext uri="{FF2B5EF4-FFF2-40B4-BE49-F238E27FC236}">
-                <a16:creationId xmlns:a16="http://schemas.microsoft.com/office/drawing/2014/main" id="{B5419BCD-5524-DB87-FBDC-D95DAD35E64A}"/>
+                <a16:creationId xmlns:a16="http://schemas.microsoft.com/office/drawing/2014/main" id="{23F17A26-AC92-706C-5BE2-4AABEB2FCD94}"/>
               </a:ext>
             </a:extLst>
           </p:cNvPr>
@@ -1185,7 +1185,7 @@
           <a:bodyPr/>
           <a:lstStyle/>
           <a:p>
-            <a:fld id="{147F2575-8779-4942-9A87-9BBC8F8098D9}" type="slidenum">
+            <a:fld id="{CC9A8AE1-7898-4B78-85FC-F7F4A507AAF0}" type="slidenum">
               <a:rPr lang="zh-CN" altLang="en-US" smtClean="0"/>
               <a:t>‹#›</a:t>
             </a:fld>
@@ -1196,7 +1196,7 @@
     </p:spTree>
     <p:extLst>
       <p:ext uri="{BB962C8B-B14F-4D97-AF65-F5344CB8AC3E}">
-        <p14:creationId xmlns:p14="http://schemas.microsoft.com/office/powerpoint/2010/main" val="501473004"/>
+        <p14:creationId xmlns:p14="http://schemas.microsoft.com/office/powerpoint/2010/main" val="483100986"/>
       </p:ext>
     </p:extLst>
   </p:cSld>
@@ -1228,7 +1228,7 @@
           <p:cNvPr id="2" name="标题 1">
             <a:extLst>
               <a:ext uri="{FF2B5EF4-FFF2-40B4-BE49-F238E27FC236}">
-                <a16:creationId xmlns:a16="http://schemas.microsoft.com/office/drawing/2014/main" id="{151BD7FC-AE1E-9DAA-5692-606A88B57C4C}"/>
+                <a16:creationId xmlns:a16="http://schemas.microsoft.com/office/drawing/2014/main" id="{0C685252-E739-4C6B-E4EF-568A53D1DDCC}"/>
               </a:ext>
             </a:extLst>
           </p:cNvPr>
@@ -1256,7 +1256,7 @@
           <p:cNvPr id="3" name="内容占位符 2">
             <a:extLst>
               <a:ext uri="{FF2B5EF4-FFF2-40B4-BE49-F238E27FC236}">
-                <a16:creationId xmlns:a16="http://schemas.microsoft.com/office/drawing/2014/main" id="{E9BD6E96-09BE-724E-C204-75658D8ABFB0}"/>
+                <a16:creationId xmlns:a16="http://schemas.microsoft.com/office/drawing/2014/main" id="{6E79257E-AFDE-BF4F-78A1-4877818C9ADD}"/>
               </a:ext>
             </a:extLst>
           </p:cNvPr>
@@ -1318,7 +1318,7 @@
           <p:cNvPr id="4" name="内容占位符 3">
             <a:extLst>
               <a:ext uri="{FF2B5EF4-FFF2-40B4-BE49-F238E27FC236}">
-                <a16:creationId xmlns:a16="http://schemas.microsoft.com/office/drawing/2014/main" id="{BBD97FC7-A09C-BE64-2796-0F54F0B1BE22}"/>
+                <a16:creationId xmlns:a16="http://schemas.microsoft.com/office/drawing/2014/main" id="{D06B47E1-7DDB-E384-04D8-08F2AB949920}"/>
               </a:ext>
             </a:extLst>
           </p:cNvPr>
@@ -1380,7 +1380,7 @@
           <p:cNvPr id="5" name="日期占位符 4">
             <a:extLst>
               <a:ext uri="{FF2B5EF4-FFF2-40B4-BE49-F238E27FC236}">
-                <a16:creationId xmlns:a16="http://schemas.microsoft.com/office/drawing/2014/main" id="{DF83994D-AAAC-B8F9-D243-F9F9278F7BA6}"/>
+                <a16:creationId xmlns:a16="http://schemas.microsoft.com/office/drawing/2014/main" id="{1CA3D60E-F7B8-A233-9E61-05C3F552E21B}"/>
               </a:ext>
             </a:extLst>
           </p:cNvPr>
@@ -1396,7 +1396,7 @@
           <a:bodyPr/>
           <a:lstStyle/>
           <a:p>
-            <a:fld id="{FA622576-5A81-4E2F-AFA8-45F808F01C8D}" type="datetimeFigureOut">
+            <a:fld id="{F641708B-4AF1-46ED-ABD3-40571DE1EF88}" type="datetimeFigureOut">
               <a:rPr lang="zh-CN" altLang="en-US" smtClean="0"/>
               <a:t>2024/3/10</a:t>
             </a:fld>
@@ -1409,7 +1409,7 @@
           <p:cNvPr id="6" name="页脚占位符 5">
             <a:extLst>
               <a:ext uri="{FF2B5EF4-FFF2-40B4-BE49-F238E27FC236}">
-                <a16:creationId xmlns:a16="http://schemas.microsoft.com/office/drawing/2014/main" id="{D234E4A4-5D76-2CE3-392B-591E235E7CC9}"/>
+                <a16:creationId xmlns:a16="http://schemas.microsoft.com/office/drawing/2014/main" id="{9EAAB39D-3046-3FA5-9C76-D2E88963A15C}"/>
               </a:ext>
             </a:extLst>
           </p:cNvPr>
@@ -1434,7 +1434,7 @@
           <p:cNvPr id="7" name="灯片编号占位符 6">
             <a:extLst>
               <a:ext uri="{FF2B5EF4-FFF2-40B4-BE49-F238E27FC236}">
-                <a16:creationId xmlns:a16="http://schemas.microsoft.com/office/drawing/2014/main" id="{961AFB15-602B-2BD3-A714-532949EC086C}"/>
+                <a16:creationId xmlns:a16="http://schemas.microsoft.com/office/drawing/2014/main" id="{7C19E565-AC04-9C3B-6CCF-AA0C76D431CF}"/>
               </a:ext>
             </a:extLst>
           </p:cNvPr>
@@ -1450,7 +1450,7 @@
           <a:bodyPr/>
           <a:lstStyle/>
           <a:p>
-            <a:fld id="{147F2575-8779-4942-9A87-9BBC8F8098D9}" type="slidenum">
+            <a:fld id="{CC9A8AE1-7898-4B78-85FC-F7F4A507AAF0}" type="slidenum">
               <a:rPr lang="zh-CN" altLang="en-US" smtClean="0"/>
               <a:t>‹#›</a:t>
             </a:fld>
@@ -1461,7 +1461,7 @@
     </p:spTree>
     <p:extLst>
       <p:ext uri="{BB962C8B-B14F-4D97-AF65-F5344CB8AC3E}">
-        <p14:creationId xmlns:p14="http://schemas.microsoft.com/office/powerpoint/2010/main" val="3150611921"/>
+        <p14:creationId xmlns:p14="http://schemas.microsoft.com/office/powerpoint/2010/main" val="1331165201"/>
       </p:ext>
     </p:extLst>
   </p:cSld>
@@ -1493,7 +1493,7 @@
           <p:cNvPr id="2" name="标题 1">
             <a:extLst>
               <a:ext uri="{FF2B5EF4-FFF2-40B4-BE49-F238E27FC236}">
-                <a16:creationId xmlns:a16="http://schemas.microsoft.com/office/drawing/2014/main" id="{D48F5AAF-D218-2104-5D23-A0782D7843E6}"/>
+                <a16:creationId xmlns:a16="http://schemas.microsoft.com/office/drawing/2014/main" id="{2A7BF0FF-B5EF-4D79-2259-B396C6517C67}"/>
               </a:ext>
             </a:extLst>
           </p:cNvPr>
@@ -1526,7 +1526,7 @@
           <p:cNvPr id="3" name="文本占位符 2">
             <a:extLst>
               <a:ext uri="{FF2B5EF4-FFF2-40B4-BE49-F238E27FC236}">
-                <a16:creationId xmlns:a16="http://schemas.microsoft.com/office/drawing/2014/main" id="{CBA285AD-FA8B-5DFD-E2D0-9D584B999EEB}"/>
+                <a16:creationId xmlns:a16="http://schemas.microsoft.com/office/drawing/2014/main" id="{8819E1BA-9A03-E712-286C-45738FF4B517}"/>
               </a:ext>
             </a:extLst>
           </p:cNvPr>
@@ -1597,7 +1597,7 @@
           <p:cNvPr id="4" name="内容占位符 3">
             <a:extLst>
               <a:ext uri="{FF2B5EF4-FFF2-40B4-BE49-F238E27FC236}">
-                <a16:creationId xmlns:a16="http://schemas.microsoft.com/office/drawing/2014/main" id="{7AE922C5-2DC7-31AD-B28F-B80E54398722}"/>
+                <a16:creationId xmlns:a16="http://schemas.microsoft.com/office/drawing/2014/main" id="{0188CD62-A86B-1F56-FA50-93FC91A37E24}"/>
               </a:ext>
             </a:extLst>
           </p:cNvPr>
@@ -1659,7 +1659,7 @@
           <p:cNvPr id="5" name="文本占位符 4">
             <a:extLst>
               <a:ext uri="{FF2B5EF4-FFF2-40B4-BE49-F238E27FC236}">
-                <a16:creationId xmlns:a16="http://schemas.microsoft.com/office/drawing/2014/main" id="{CA3CC39B-8163-9CB0-9D0F-138FBD135A70}"/>
+                <a16:creationId xmlns:a16="http://schemas.microsoft.com/office/drawing/2014/main" id="{50C878B1-1BDB-50A7-7A07-A2C3F132B1D3}"/>
               </a:ext>
             </a:extLst>
           </p:cNvPr>
@@ -1730,7 +1730,7 @@
           <p:cNvPr id="6" name="内容占位符 5">
             <a:extLst>
               <a:ext uri="{FF2B5EF4-FFF2-40B4-BE49-F238E27FC236}">
-                <a16:creationId xmlns:a16="http://schemas.microsoft.com/office/drawing/2014/main" id="{79AEBCAD-6E64-B259-588D-1EE8153120FF}"/>
+                <a16:creationId xmlns:a16="http://schemas.microsoft.com/office/drawing/2014/main" id="{76D80B3F-A18D-53F3-3A51-833299BA1EA6}"/>
               </a:ext>
             </a:extLst>
           </p:cNvPr>
@@ -1792,7 +1792,7 @@
           <p:cNvPr id="7" name="日期占位符 6">
             <a:extLst>
               <a:ext uri="{FF2B5EF4-FFF2-40B4-BE49-F238E27FC236}">
-                <a16:creationId xmlns:a16="http://schemas.microsoft.com/office/drawing/2014/main" id="{225BEC66-0579-300F-1329-3C402DA06D62}"/>
+                <a16:creationId xmlns:a16="http://schemas.microsoft.com/office/drawing/2014/main" id="{6353BCE2-361B-8212-D705-9B767AB7206D}"/>
               </a:ext>
             </a:extLst>
           </p:cNvPr>
@@ -1808,7 +1808,7 @@
           <a:bodyPr/>
           <a:lstStyle/>
           <a:p>
-            <a:fld id="{FA622576-5A81-4E2F-AFA8-45F808F01C8D}" type="datetimeFigureOut">
+            <a:fld id="{F641708B-4AF1-46ED-ABD3-40571DE1EF88}" type="datetimeFigureOut">
               <a:rPr lang="zh-CN" altLang="en-US" smtClean="0"/>
               <a:t>2024/3/10</a:t>
             </a:fld>
@@ -1821,7 +1821,7 @@
           <p:cNvPr id="8" name="页脚占位符 7">
             <a:extLst>
               <a:ext uri="{FF2B5EF4-FFF2-40B4-BE49-F238E27FC236}">
-                <a16:creationId xmlns:a16="http://schemas.microsoft.com/office/drawing/2014/main" id="{408EFAD6-1DA7-4C70-338D-30C17EC4E34A}"/>
+                <a16:creationId xmlns:a16="http://schemas.microsoft.com/office/drawing/2014/main" id="{2BCFCE83-0234-F598-C392-B25E79934746}"/>
               </a:ext>
             </a:extLst>
           </p:cNvPr>
@@ -1846,7 +1846,7 @@
           <p:cNvPr id="9" name="灯片编号占位符 8">
             <a:extLst>
               <a:ext uri="{FF2B5EF4-FFF2-40B4-BE49-F238E27FC236}">
-                <a16:creationId xmlns:a16="http://schemas.microsoft.com/office/drawing/2014/main" id="{51AC14AA-0F74-4BDD-6594-4A3CF41C5BAF}"/>
+                <a16:creationId xmlns:a16="http://schemas.microsoft.com/office/drawing/2014/main" id="{18AA6625-6929-448C-56AF-3B27B68C341C}"/>
               </a:ext>
             </a:extLst>
           </p:cNvPr>
@@ -1862,7 +1862,7 @@
           <a:bodyPr/>
           <a:lstStyle/>
           <a:p>
-            <a:fld id="{147F2575-8779-4942-9A87-9BBC8F8098D9}" type="slidenum">
+            <a:fld id="{CC9A8AE1-7898-4B78-85FC-F7F4A507AAF0}" type="slidenum">
               <a:rPr lang="zh-CN" altLang="en-US" smtClean="0"/>
               <a:t>‹#›</a:t>
             </a:fld>
@@ -1873,7 +1873,7 @@
     </p:spTree>
     <p:extLst>
       <p:ext uri="{BB962C8B-B14F-4D97-AF65-F5344CB8AC3E}">
-        <p14:creationId xmlns:p14="http://schemas.microsoft.com/office/powerpoint/2010/main" val="3548258689"/>
+        <p14:creationId xmlns:p14="http://schemas.microsoft.com/office/powerpoint/2010/main" val="875191569"/>
       </p:ext>
     </p:extLst>
   </p:cSld>
@@ -1905,7 +1905,7 @@
           <p:cNvPr id="2" name="标题 1">
             <a:extLst>
               <a:ext uri="{FF2B5EF4-FFF2-40B4-BE49-F238E27FC236}">
-                <a16:creationId xmlns:a16="http://schemas.microsoft.com/office/drawing/2014/main" id="{FFE004D4-643D-769A-3095-0DF3905CACCB}"/>
+                <a16:creationId xmlns:a16="http://schemas.microsoft.com/office/drawing/2014/main" id="{272F6562-FAB9-4C83-4A17-69EF20AED332}"/>
               </a:ext>
             </a:extLst>
           </p:cNvPr>
@@ -1933,7 +1933,7 @@
           <p:cNvPr id="3" name="日期占位符 2">
             <a:extLst>
               <a:ext uri="{FF2B5EF4-FFF2-40B4-BE49-F238E27FC236}">
-                <a16:creationId xmlns:a16="http://schemas.microsoft.com/office/drawing/2014/main" id="{4BBAAC5D-8D2B-4E2C-F491-505B3AA65C41}"/>
+                <a16:creationId xmlns:a16="http://schemas.microsoft.com/office/drawing/2014/main" id="{DD9AD8D3-816D-8A96-82E3-D4B94BC9666D}"/>
               </a:ext>
             </a:extLst>
           </p:cNvPr>
@@ -1949,7 +1949,7 @@
           <a:bodyPr/>
           <a:lstStyle/>
           <a:p>
-            <a:fld id="{FA622576-5A81-4E2F-AFA8-45F808F01C8D}" type="datetimeFigureOut">
+            <a:fld id="{F641708B-4AF1-46ED-ABD3-40571DE1EF88}" type="datetimeFigureOut">
               <a:rPr lang="zh-CN" altLang="en-US" smtClean="0"/>
               <a:t>2024/3/10</a:t>
             </a:fld>
@@ -1962,7 +1962,7 @@
           <p:cNvPr id="4" name="页脚占位符 3">
             <a:extLst>
               <a:ext uri="{FF2B5EF4-FFF2-40B4-BE49-F238E27FC236}">
-                <a16:creationId xmlns:a16="http://schemas.microsoft.com/office/drawing/2014/main" id="{D2F1AFD9-53A6-3A60-DA7C-19B7FD77EF7B}"/>
+                <a16:creationId xmlns:a16="http://schemas.microsoft.com/office/drawing/2014/main" id="{A8C895EB-C834-C51C-C859-C92CCA452533}"/>
               </a:ext>
             </a:extLst>
           </p:cNvPr>
@@ -1987,7 +1987,7 @@
           <p:cNvPr id="5" name="灯片编号占位符 4">
             <a:extLst>
               <a:ext uri="{FF2B5EF4-FFF2-40B4-BE49-F238E27FC236}">
-                <a16:creationId xmlns:a16="http://schemas.microsoft.com/office/drawing/2014/main" id="{30E16CA8-FAA0-0F4D-A45D-145F7ABCD064}"/>
+                <a16:creationId xmlns:a16="http://schemas.microsoft.com/office/drawing/2014/main" id="{C13B760F-7AF6-B5A4-10C8-276205AC0E70}"/>
               </a:ext>
             </a:extLst>
           </p:cNvPr>
@@ -2003,7 +2003,7 @@
           <a:bodyPr/>
           <a:lstStyle/>
           <a:p>
-            <a:fld id="{147F2575-8779-4942-9A87-9BBC8F8098D9}" type="slidenum">
+            <a:fld id="{CC9A8AE1-7898-4B78-85FC-F7F4A507AAF0}" type="slidenum">
               <a:rPr lang="zh-CN" altLang="en-US" smtClean="0"/>
               <a:t>‹#›</a:t>
             </a:fld>
@@ -2014,7 +2014,7 @@
     </p:spTree>
     <p:extLst>
       <p:ext uri="{BB962C8B-B14F-4D97-AF65-F5344CB8AC3E}">
-        <p14:creationId xmlns:p14="http://schemas.microsoft.com/office/powerpoint/2010/main" val="3655286511"/>
+        <p14:creationId xmlns:p14="http://schemas.microsoft.com/office/powerpoint/2010/main" val="3272425167"/>
       </p:ext>
     </p:extLst>
   </p:cSld>
@@ -2046,7 +2046,7 @@
           <p:cNvPr id="2" name="日期占位符 1">
             <a:extLst>
               <a:ext uri="{FF2B5EF4-FFF2-40B4-BE49-F238E27FC236}">
-                <a16:creationId xmlns:a16="http://schemas.microsoft.com/office/drawing/2014/main" id="{540F6E1E-131C-0694-E1BE-0D5967A323F2}"/>
+                <a16:creationId xmlns:a16="http://schemas.microsoft.com/office/drawing/2014/main" id="{DE32A51F-9890-0399-3172-314E2414D4F4}"/>
               </a:ext>
             </a:extLst>
           </p:cNvPr>
@@ -2062,7 +2062,7 @@
           <a:bodyPr/>
           <a:lstStyle/>
           <a:p>
-            <a:fld id="{FA622576-5A81-4E2F-AFA8-45F808F01C8D}" type="datetimeFigureOut">
+            <a:fld id="{F641708B-4AF1-46ED-ABD3-40571DE1EF88}" type="datetimeFigureOut">
               <a:rPr lang="zh-CN" altLang="en-US" smtClean="0"/>
               <a:t>2024/3/10</a:t>
             </a:fld>
@@ -2075,7 +2075,7 @@
           <p:cNvPr id="3" name="页脚占位符 2">
             <a:extLst>
               <a:ext uri="{FF2B5EF4-FFF2-40B4-BE49-F238E27FC236}">
-                <a16:creationId xmlns:a16="http://schemas.microsoft.com/office/drawing/2014/main" id="{0BC243A9-B216-8E31-FD25-27A5E754F21A}"/>
+                <a16:creationId xmlns:a16="http://schemas.microsoft.com/office/drawing/2014/main" id="{5500F435-F110-ED9E-A443-87C1E2223BB4}"/>
               </a:ext>
             </a:extLst>
           </p:cNvPr>
@@ -2100,7 +2100,7 @@
           <p:cNvPr id="4" name="灯片编号占位符 3">
             <a:extLst>
               <a:ext uri="{FF2B5EF4-FFF2-40B4-BE49-F238E27FC236}">
-                <a16:creationId xmlns:a16="http://schemas.microsoft.com/office/drawing/2014/main" id="{0A1D0BA5-3F3B-6842-184C-88AE52506CAE}"/>
+                <a16:creationId xmlns:a16="http://schemas.microsoft.com/office/drawing/2014/main" id="{8E51799E-6807-92FC-9020-AB214315161C}"/>
               </a:ext>
             </a:extLst>
           </p:cNvPr>
@@ -2116,7 +2116,7 @@
           <a:bodyPr/>
           <a:lstStyle/>
           <a:p>
-            <a:fld id="{147F2575-8779-4942-9A87-9BBC8F8098D9}" type="slidenum">
+            <a:fld id="{CC9A8AE1-7898-4B78-85FC-F7F4A507AAF0}" type="slidenum">
               <a:rPr lang="zh-CN" altLang="en-US" smtClean="0"/>
               <a:t>‹#›</a:t>
             </a:fld>
@@ -2127,7 +2127,7 @@
     </p:spTree>
     <p:extLst>
       <p:ext uri="{BB962C8B-B14F-4D97-AF65-F5344CB8AC3E}">
-        <p14:creationId xmlns:p14="http://schemas.microsoft.com/office/powerpoint/2010/main" val="3282326855"/>
+        <p14:creationId xmlns:p14="http://schemas.microsoft.com/office/powerpoint/2010/main" val="3149315397"/>
       </p:ext>
     </p:extLst>
   </p:cSld>
@@ -2159,7 +2159,7 @@
           <p:cNvPr id="2" name="标题 1">
             <a:extLst>
               <a:ext uri="{FF2B5EF4-FFF2-40B4-BE49-F238E27FC236}">
-                <a16:creationId xmlns:a16="http://schemas.microsoft.com/office/drawing/2014/main" id="{563513EC-3296-774B-05BD-575A07E05C64}"/>
+                <a16:creationId xmlns:a16="http://schemas.microsoft.com/office/drawing/2014/main" id="{27AE9C7E-6A6E-A2FF-6DE3-41C9B50AF267}"/>
               </a:ext>
             </a:extLst>
           </p:cNvPr>
@@ -2196,7 +2196,7 @@
           <p:cNvPr id="3" name="内容占位符 2">
             <a:extLst>
               <a:ext uri="{FF2B5EF4-FFF2-40B4-BE49-F238E27FC236}">
-                <a16:creationId xmlns:a16="http://schemas.microsoft.com/office/drawing/2014/main" id="{FBBE30C9-7823-C48F-1414-65D3DB399E0F}"/>
+                <a16:creationId xmlns:a16="http://schemas.microsoft.com/office/drawing/2014/main" id="{703915A7-9312-402B-82BD-EC4B962F6BAF}"/>
               </a:ext>
             </a:extLst>
           </p:cNvPr>
@@ -2286,7 +2286,7 @@
           <p:cNvPr id="4" name="文本占位符 3">
             <a:extLst>
               <a:ext uri="{FF2B5EF4-FFF2-40B4-BE49-F238E27FC236}">
-                <a16:creationId xmlns:a16="http://schemas.microsoft.com/office/drawing/2014/main" id="{57759C83-A63B-CF08-5C57-D47FED224F54}"/>
+                <a16:creationId xmlns:a16="http://schemas.microsoft.com/office/drawing/2014/main" id="{C57B7106-0ECD-E1C6-B657-4AF62F328211}"/>
               </a:ext>
             </a:extLst>
           </p:cNvPr>
@@ -2357,7 +2357,7 @@
           <p:cNvPr id="5" name="日期占位符 4">
             <a:extLst>
               <a:ext uri="{FF2B5EF4-FFF2-40B4-BE49-F238E27FC236}">
-                <a16:creationId xmlns:a16="http://schemas.microsoft.com/office/drawing/2014/main" id="{8D69E956-C3C4-5167-E08E-C61A96FF37CC}"/>
+                <a16:creationId xmlns:a16="http://schemas.microsoft.com/office/drawing/2014/main" id="{3159872B-3DD4-76B6-B4EC-095D6C6A9E85}"/>
               </a:ext>
             </a:extLst>
           </p:cNvPr>
@@ -2373,7 +2373,7 @@
           <a:bodyPr/>
           <a:lstStyle/>
           <a:p>
-            <a:fld id="{FA622576-5A81-4E2F-AFA8-45F808F01C8D}" type="datetimeFigureOut">
+            <a:fld id="{F641708B-4AF1-46ED-ABD3-40571DE1EF88}" type="datetimeFigureOut">
               <a:rPr lang="zh-CN" altLang="en-US" smtClean="0"/>
               <a:t>2024/3/10</a:t>
             </a:fld>
@@ -2386,7 +2386,7 @@
           <p:cNvPr id="6" name="页脚占位符 5">
             <a:extLst>
               <a:ext uri="{FF2B5EF4-FFF2-40B4-BE49-F238E27FC236}">
-                <a16:creationId xmlns:a16="http://schemas.microsoft.com/office/drawing/2014/main" id="{5377C6F9-3669-4F2A-D50D-B0B4C5F89354}"/>
+                <a16:creationId xmlns:a16="http://schemas.microsoft.com/office/drawing/2014/main" id="{202B4480-846F-7A0E-657E-E4F4A5C067C9}"/>
               </a:ext>
             </a:extLst>
           </p:cNvPr>
@@ -2411,7 +2411,7 @@
           <p:cNvPr id="7" name="灯片编号占位符 6">
             <a:extLst>
               <a:ext uri="{FF2B5EF4-FFF2-40B4-BE49-F238E27FC236}">
-                <a16:creationId xmlns:a16="http://schemas.microsoft.com/office/drawing/2014/main" id="{76614CDE-562A-B2D1-3E75-0FFAC7E8280E}"/>
+                <a16:creationId xmlns:a16="http://schemas.microsoft.com/office/drawing/2014/main" id="{46B24357-D259-C860-1971-9D74D1E11BB6}"/>
               </a:ext>
             </a:extLst>
           </p:cNvPr>
@@ -2427,7 +2427,7 @@
           <a:bodyPr/>
           <a:lstStyle/>
           <a:p>
-            <a:fld id="{147F2575-8779-4942-9A87-9BBC8F8098D9}" type="slidenum">
+            <a:fld id="{CC9A8AE1-7898-4B78-85FC-F7F4A507AAF0}" type="slidenum">
               <a:rPr lang="zh-CN" altLang="en-US" smtClean="0"/>
               <a:t>‹#›</a:t>
             </a:fld>
@@ -2438,7 +2438,7 @@
     </p:spTree>
     <p:extLst>
       <p:ext uri="{BB962C8B-B14F-4D97-AF65-F5344CB8AC3E}">
-        <p14:creationId xmlns:p14="http://schemas.microsoft.com/office/powerpoint/2010/main" val="2623913029"/>
+        <p14:creationId xmlns:p14="http://schemas.microsoft.com/office/powerpoint/2010/main" val="1831860618"/>
       </p:ext>
     </p:extLst>
   </p:cSld>
@@ -2470,7 +2470,7 @@
           <p:cNvPr id="2" name="标题 1">
             <a:extLst>
               <a:ext uri="{FF2B5EF4-FFF2-40B4-BE49-F238E27FC236}">
-                <a16:creationId xmlns:a16="http://schemas.microsoft.com/office/drawing/2014/main" id="{823978BA-DEBA-E9F4-156B-FA2BA89B399F}"/>
+                <a16:creationId xmlns:a16="http://schemas.microsoft.com/office/drawing/2014/main" id="{3EA871A1-5D37-533C-DDBE-ACA89C10124B}"/>
               </a:ext>
             </a:extLst>
           </p:cNvPr>
@@ -2507,7 +2507,7 @@
           <p:cNvPr id="3" name="图片占位符 2">
             <a:extLst>
               <a:ext uri="{FF2B5EF4-FFF2-40B4-BE49-F238E27FC236}">
-                <a16:creationId xmlns:a16="http://schemas.microsoft.com/office/drawing/2014/main" id="{A7E8D275-3744-910B-B95D-F49A0E5BD1EF}"/>
+                <a16:creationId xmlns:a16="http://schemas.microsoft.com/office/drawing/2014/main" id="{0F8845B0-62F8-AD06-26F6-D270A2E206A6}"/>
               </a:ext>
             </a:extLst>
           </p:cNvPr>
@@ -2574,7 +2574,7 @@
           <p:cNvPr id="4" name="文本占位符 3">
             <a:extLst>
               <a:ext uri="{FF2B5EF4-FFF2-40B4-BE49-F238E27FC236}">
-                <a16:creationId xmlns:a16="http://schemas.microsoft.com/office/drawing/2014/main" id="{78025F29-893E-C864-AAAF-EF870C9F8EB0}"/>
+                <a16:creationId xmlns:a16="http://schemas.microsoft.com/office/drawing/2014/main" id="{1261AF8F-0B8A-0722-0494-F60AFF6D5C8B}"/>
               </a:ext>
             </a:extLst>
           </p:cNvPr>
@@ -2645,7 +2645,7 @@
           <p:cNvPr id="5" name="日期占位符 4">
             <a:extLst>
               <a:ext uri="{FF2B5EF4-FFF2-40B4-BE49-F238E27FC236}">
-                <a16:creationId xmlns:a16="http://schemas.microsoft.com/office/drawing/2014/main" id="{C379C5D8-FBED-81A7-0E5D-23A5653F4374}"/>
+                <a16:creationId xmlns:a16="http://schemas.microsoft.com/office/drawing/2014/main" id="{9130B4DF-D3EF-4CE5-83EC-A8CFC30C9824}"/>
               </a:ext>
             </a:extLst>
           </p:cNvPr>
@@ -2661,7 +2661,7 @@
           <a:bodyPr/>
           <a:lstStyle/>
           <a:p>
-            <a:fld id="{FA622576-5A81-4E2F-AFA8-45F808F01C8D}" type="datetimeFigureOut">
+            <a:fld id="{F641708B-4AF1-46ED-ABD3-40571DE1EF88}" type="datetimeFigureOut">
               <a:rPr lang="zh-CN" altLang="en-US" smtClean="0"/>
               <a:t>2024/3/10</a:t>
             </a:fld>
@@ -2674,7 +2674,7 @@
           <p:cNvPr id="6" name="页脚占位符 5">
             <a:extLst>
               <a:ext uri="{FF2B5EF4-FFF2-40B4-BE49-F238E27FC236}">
-                <a16:creationId xmlns:a16="http://schemas.microsoft.com/office/drawing/2014/main" id="{B5261BFF-9416-CDA9-046A-BB999831F930}"/>
+                <a16:creationId xmlns:a16="http://schemas.microsoft.com/office/drawing/2014/main" id="{20CC559F-60DB-98B1-532E-7C43D3295742}"/>
               </a:ext>
             </a:extLst>
           </p:cNvPr>
@@ -2699,7 +2699,7 @@
           <p:cNvPr id="7" name="灯片编号占位符 6">
             <a:extLst>
               <a:ext uri="{FF2B5EF4-FFF2-40B4-BE49-F238E27FC236}">
-                <a16:creationId xmlns:a16="http://schemas.microsoft.com/office/drawing/2014/main" id="{FB0C2CDE-827A-BB66-F41A-FEEE1F4B4B56}"/>
+                <a16:creationId xmlns:a16="http://schemas.microsoft.com/office/drawing/2014/main" id="{6FBF9F5A-B4C5-8890-0595-693F5B56B609}"/>
               </a:ext>
             </a:extLst>
           </p:cNvPr>
@@ -2715,7 +2715,7 @@
           <a:bodyPr/>
           <a:lstStyle/>
           <a:p>
-            <a:fld id="{147F2575-8779-4942-9A87-9BBC8F8098D9}" type="slidenum">
+            <a:fld id="{CC9A8AE1-7898-4B78-85FC-F7F4A507AAF0}" type="slidenum">
               <a:rPr lang="zh-CN" altLang="en-US" smtClean="0"/>
               <a:t>‹#›</a:t>
             </a:fld>
@@ -2726,7 +2726,7 @@
     </p:spTree>
     <p:extLst>
       <p:ext uri="{BB962C8B-B14F-4D97-AF65-F5344CB8AC3E}">
-        <p14:creationId xmlns:p14="http://schemas.microsoft.com/office/powerpoint/2010/main" val="3654084851"/>
+        <p14:creationId xmlns:p14="http://schemas.microsoft.com/office/powerpoint/2010/main" val="2849010981"/>
       </p:ext>
     </p:extLst>
   </p:cSld>
@@ -2763,7 +2763,7 @@
           <p:cNvPr id="2" name="标题占位符 1">
             <a:extLst>
               <a:ext uri="{FF2B5EF4-FFF2-40B4-BE49-F238E27FC236}">
-                <a16:creationId xmlns:a16="http://schemas.microsoft.com/office/drawing/2014/main" id="{FECE3CEB-A6CA-3E07-DC3B-21B0AFD55F10}"/>
+                <a16:creationId xmlns:a16="http://schemas.microsoft.com/office/drawing/2014/main" id="{F2E8FF14-59DC-85D5-D44A-96BD82767600}"/>
               </a:ext>
             </a:extLst>
           </p:cNvPr>
@@ -2801,7 +2801,7 @@
           <p:cNvPr id="3" name="文本占位符 2">
             <a:extLst>
               <a:ext uri="{FF2B5EF4-FFF2-40B4-BE49-F238E27FC236}">
-                <a16:creationId xmlns:a16="http://schemas.microsoft.com/office/drawing/2014/main" id="{AC87D3C3-57B0-1D14-99B4-235BE759B504}"/>
+                <a16:creationId xmlns:a16="http://schemas.microsoft.com/office/drawing/2014/main" id="{F2DBA693-6CAC-AE6A-E0C4-4D7A85F79DB3}"/>
               </a:ext>
             </a:extLst>
           </p:cNvPr>
@@ -2868,7 +2868,7 @@
           <p:cNvPr id="4" name="日期占位符 3">
             <a:extLst>
               <a:ext uri="{FF2B5EF4-FFF2-40B4-BE49-F238E27FC236}">
-                <a16:creationId xmlns:a16="http://schemas.microsoft.com/office/drawing/2014/main" id="{94AFD819-3321-2723-17C8-25F525AD292D}"/>
+                <a16:creationId xmlns:a16="http://schemas.microsoft.com/office/drawing/2014/main" id="{33F6EF17-B7DE-B447-19FE-17B688AA7624}"/>
               </a:ext>
             </a:extLst>
           </p:cNvPr>
@@ -2902,7 +2902,7 @@
             </a:lvl1pPr>
           </a:lstStyle>
           <a:p>
-            <a:fld id="{FA622576-5A81-4E2F-AFA8-45F808F01C8D}" type="datetimeFigureOut">
+            <a:fld id="{F641708B-4AF1-46ED-ABD3-40571DE1EF88}" type="datetimeFigureOut">
               <a:rPr lang="zh-CN" altLang="en-US" smtClean="0"/>
               <a:t>2024/3/10</a:t>
             </a:fld>
@@ -2915,7 +2915,7 @@
           <p:cNvPr id="5" name="页脚占位符 4">
             <a:extLst>
               <a:ext uri="{FF2B5EF4-FFF2-40B4-BE49-F238E27FC236}">
-                <a16:creationId xmlns:a16="http://schemas.microsoft.com/office/drawing/2014/main" id="{4C68EA53-A105-FAB0-F0E3-30B933721A56}"/>
+                <a16:creationId xmlns:a16="http://schemas.microsoft.com/office/drawing/2014/main" id="{A6AF6C4F-C5B6-D614-FF47-C92090E24701}"/>
               </a:ext>
             </a:extLst>
           </p:cNvPr>
@@ -2958,7 +2958,7 @@
           <p:cNvPr id="6" name="灯片编号占位符 5">
             <a:extLst>
               <a:ext uri="{FF2B5EF4-FFF2-40B4-BE49-F238E27FC236}">
-                <a16:creationId xmlns:a16="http://schemas.microsoft.com/office/drawing/2014/main" id="{9FFEC993-FBFD-135D-6833-39CCC8401C65}"/>
+                <a16:creationId xmlns:a16="http://schemas.microsoft.com/office/drawing/2014/main" id="{E0EDC306-C2D9-0544-E5F9-5CD545442DB2}"/>
               </a:ext>
             </a:extLst>
           </p:cNvPr>
@@ -2992,7 +2992,7 @@
             </a:lvl1pPr>
           </a:lstStyle>
           <a:p>
-            <a:fld id="{147F2575-8779-4942-9A87-9BBC8F8098D9}" type="slidenum">
+            <a:fld id="{CC9A8AE1-7898-4B78-85FC-F7F4A507AAF0}" type="slidenum">
               <a:rPr lang="zh-CN" altLang="en-US" smtClean="0"/>
               <a:t>‹#›</a:t>
             </a:fld>
@@ -3003,7 +3003,7 @@
     </p:spTree>
     <p:extLst>
       <p:ext uri="{BB962C8B-B14F-4D97-AF65-F5344CB8AC3E}">
-        <p14:creationId xmlns:p14="http://schemas.microsoft.com/office/powerpoint/2010/main" val="769767208"/>
+        <p14:creationId xmlns:p14="http://schemas.microsoft.com/office/powerpoint/2010/main" val="1015413903"/>
       </p:ext>
     </p:extLst>
   </p:cSld>
